--- a/바퀴동체의 kinematics/끄적이는pt.pptx
+++ b/바퀴동체의 kinematics/끄적이는pt.pptx
@@ -8,6 +8,8 @@
     <p:sldId id="256" r:id="rId2"/>
     <p:sldId id="257" r:id="rId3"/>
     <p:sldId id="258" r:id="rId4"/>
+    <p:sldId id="259" r:id="rId5"/>
+    <p:sldId id="260" r:id="rId6"/>
   </p:sldIdLst>
   <p:sldSz cx="12192000" cy="6858000"/>
   <p:notesSz cx="6858000" cy="9144000"/>
@@ -106,6 +108,11 @@
       </a:defRPr>
     </a:lvl9pPr>
   </p:defaultTextStyle>
+  <p:extLst>
+    <p:ext uri="{EFAFB233-063F-42B5-8137-9DF3F51BA10A}">
+      <p15:sldGuideLst xmlns:p15="http://schemas.microsoft.com/office/powerpoint/2012/main"/>
+    </p:ext>
+  </p:extLst>
 </p:presentation>
 </file>
 
@@ -256,7 +263,7 @@
           <a:p>
             <a:fld id="{DFF43752-315D-41F7-B74F-7F741ED1140B}" type="datetimeFigureOut">
               <a:rPr lang="ko-KR" altLang="en-US" smtClean="0"/>
-              <a:t>2023-12-26</a:t>
+              <a:t>2023-12-28</a:t>
             </a:fld>
             <a:endParaRPr lang="ko-KR" altLang="en-US"/>
           </a:p>
@@ -454,7 +461,7 @@
           <a:p>
             <a:fld id="{DFF43752-315D-41F7-B74F-7F741ED1140B}" type="datetimeFigureOut">
               <a:rPr lang="ko-KR" altLang="en-US" smtClean="0"/>
-              <a:t>2023-12-26</a:t>
+              <a:t>2023-12-28</a:t>
             </a:fld>
             <a:endParaRPr lang="ko-KR" altLang="en-US"/>
           </a:p>
@@ -662,7 +669,7 @@
           <a:p>
             <a:fld id="{DFF43752-315D-41F7-B74F-7F741ED1140B}" type="datetimeFigureOut">
               <a:rPr lang="ko-KR" altLang="en-US" smtClean="0"/>
-              <a:t>2023-12-26</a:t>
+              <a:t>2023-12-28</a:t>
             </a:fld>
             <a:endParaRPr lang="ko-KR" altLang="en-US"/>
           </a:p>
@@ -860,7 +867,7 @@
           <a:p>
             <a:fld id="{DFF43752-315D-41F7-B74F-7F741ED1140B}" type="datetimeFigureOut">
               <a:rPr lang="ko-KR" altLang="en-US" smtClean="0"/>
-              <a:t>2023-12-26</a:t>
+              <a:t>2023-12-28</a:t>
             </a:fld>
             <a:endParaRPr lang="ko-KR" altLang="en-US"/>
           </a:p>
@@ -1135,7 +1142,7 @@
           <a:p>
             <a:fld id="{DFF43752-315D-41F7-B74F-7F741ED1140B}" type="datetimeFigureOut">
               <a:rPr lang="ko-KR" altLang="en-US" smtClean="0"/>
-              <a:t>2023-12-26</a:t>
+              <a:t>2023-12-28</a:t>
             </a:fld>
             <a:endParaRPr lang="ko-KR" altLang="en-US"/>
           </a:p>
@@ -1400,7 +1407,7 @@
           <a:p>
             <a:fld id="{DFF43752-315D-41F7-B74F-7F741ED1140B}" type="datetimeFigureOut">
               <a:rPr lang="ko-KR" altLang="en-US" smtClean="0"/>
-              <a:t>2023-12-26</a:t>
+              <a:t>2023-12-28</a:t>
             </a:fld>
             <a:endParaRPr lang="ko-KR" altLang="en-US"/>
           </a:p>
@@ -1812,7 +1819,7 @@
           <a:p>
             <a:fld id="{DFF43752-315D-41F7-B74F-7F741ED1140B}" type="datetimeFigureOut">
               <a:rPr lang="ko-KR" altLang="en-US" smtClean="0"/>
-              <a:t>2023-12-26</a:t>
+              <a:t>2023-12-28</a:t>
             </a:fld>
             <a:endParaRPr lang="ko-KR" altLang="en-US"/>
           </a:p>
@@ -1953,7 +1960,7 @@
           <a:p>
             <a:fld id="{DFF43752-315D-41F7-B74F-7F741ED1140B}" type="datetimeFigureOut">
               <a:rPr lang="ko-KR" altLang="en-US" smtClean="0"/>
-              <a:t>2023-12-26</a:t>
+              <a:t>2023-12-28</a:t>
             </a:fld>
             <a:endParaRPr lang="ko-KR" altLang="en-US"/>
           </a:p>
@@ -2066,7 +2073,7 @@
           <a:p>
             <a:fld id="{DFF43752-315D-41F7-B74F-7F741ED1140B}" type="datetimeFigureOut">
               <a:rPr lang="ko-KR" altLang="en-US" smtClean="0"/>
-              <a:t>2023-12-26</a:t>
+              <a:t>2023-12-28</a:t>
             </a:fld>
             <a:endParaRPr lang="ko-KR" altLang="en-US"/>
           </a:p>
@@ -2377,7 +2384,7 @@
           <a:p>
             <a:fld id="{DFF43752-315D-41F7-B74F-7F741ED1140B}" type="datetimeFigureOut">
               <a:rPr lang="ko-KR" altLang="en-US" smtClean="0"/>
-              <a:t>2023-12-26</a:t>
+              <a:t>2023-12-28</a:t>
             </a:fld>
             <a:endParaRPr lang="ko-KR" altLang="en-US"/>
           </a:p>
@@ -2665,7 +2672,7 @@
           <a:p>
             <a:fld id="{DFF43752-315D-41F7-B74F-7F741ED1140B}" type="datetimeFigureOut">
               <a:rPr lang="ko-KR" altLang="en-US" smtClean="0"/>
-              <a:t>2023-12-26</a:t>
+              <a:t>2023-12-28</a:t>
             </a:fld>
             <a:endParaRPr lang="ko-KR" altLang="en-US"/>
           </a:p>
@@ -2906,7 +2913,7 @@
           <a:p>
             <a:fld id="{DFF43752-315D-41F7-B74F-7F741ED1140B}" type="datetimeFigureOut">
               <a:rPr lang="ko-KR" altLang="en-US" smtClean="0"/>
-              <a:t>2023-12-26</a:t>
+              <a:t>2023-12-28</a:t>
             </a:fld>
             <a:endParaRPr lang="ko-KR" altLang="en-US"/>
           </a:p>
@@ -3468,8 +3475,8 @@
           <a:chExt cx="0" cy="0"/>
         </a:xfrm>
       </p:grpSpPr>
-      <mc:AlternateContent xmlns:mc="http://schemas.openxmlformats.org/markup-compatibility/2006">
-        <mc:Choice xmlns:a14="http://schemas.microsoft.com/office/drawing/2010/main" Requires="a14">
+      <mc:AlternateContent xmlns:mc="http://schemas.openxmlformats.org/markup-compatibility/2006" xmlns:a14="http://schemas.microsoft.com/office/drawing/2010/main">
+        <mc:Choice Requires="a14">
           <p:sp>
             <p:nvSpPr>
               <p:cNvPr id="4" name="TextBox 3">
@@ -3933,6 +3940,7 @@
                 </a:r>
               </a:p>
               <a:p>
+                <a:pPr/>
                 <a14:m>
                   <m:oMathPara xmlns:m="http://schemas.openxmlformats.org/officeDocument/2006/math">
                     <m:oMathParaPr>
@@ -4725,7 +4733,7 @@
             </p:txBody>
           </p:sp>
         </mc:Choice>
-        <mc:Fallback>
+        <mc:Fallback xmlns="">
           <p:sp>
             <p:nvSpPr>
               <p:cNvPr id="4" name="TextBox 3">
@@ -4800,8 +4808,8 @@
           <a:chExt cx="0" cy="0"/>
         </a:xfrm>
       </p:grpSpPr>
-      <mc:AlternateContent xmlns:mc="http://schemas.openxmlformats.org/markup-compatibility/2006">
-        <mc:Choice xmlns:a14="http://schemas.microsoft.com/office/drawing/2010/main" Requires="a14">
+      <mc:AlternateContent xmlns:mc="http://schemas.openxmlformats.org/markup-compatibility/2006" xmlns:a14="http://schemas.microsoft.com/office/drawing/2010/main">
+        <mc:Choice Requires="a14">
           <p:sp>
             <p:nvSpPr>
               <p:cNvPr id="4" name="TextBox 3">
@@ -4884,7 +4892,7 @@
             </p:txBody>
           </p:sp>
         </mc:Choice>
-        <mc:Fallback>
+        <mc:Fallback xmlns="">
           <p:sp>
             <p:nvSpPr>
               <p:cNvPr id="4" name="TextBox 3">
@@ -4989,8 +4997,8 @@
           </a:prstGeom>
         </p:spPr>
       </p:pic>
-      <mc:AlternateContent xmlns:mc="http://schemas.openxmlformats.org/markup-compatibility/2006">
-        <mc:Choice xmlns:a14="http://schemas.microsoft.com/office/drawing/2010/main" Requires="a14">
+      <mc:AlternateContent xmlns:mc="http://schemas.openxmlformats.org/markup-compatibility/2006" xmlns:a14="http://schemas.microsoft.com/office/drawing/2010/main">
+        <mc:Choice Requires="a14">
           <p:sp>
             <p:nvSpPr>
               <p:cNvPr id="9" name="TextBox 8">
@@ -5085,7 +5093,7 @@
             </p:txBody>
           </p:sp>
         </mc:Choice>
-        <mc:Fallback>
+        <mc:Fallback xmlns="">
           <p:sp>
             <p:nvSpPr>
               <p:cNvPr id="9" name="TextBox 8">
@@ -5627,6 +5635,1399 @@
     <p:extLst>
       <p:ext uri="{BB962C8B-B14F-4D97-AF65-F5344CB8AC3E}">
         <p14:creationId xmlns:p14="http://schemas.microsoft.com/office/powerpoint/2010/main" val="3986046872"/>
+      </p:ext>
+    </p:extLst>
+  </p:cSld>
+  <p:clrMapOvr>
+    <a:masterClrMapping/>
+  </p:clrMapOvr>
+</p:sld>
+</file>
+
+<file path=ppt/slides/slide4.xml><?xml version="1.0" encoding="utf-8"?>
+<p:sld xmlns:a="http://schemas.openxmlformats.org/drawingml/2006/main" xmlns:r="http://schemas.openxmlformats.org/officeDocument/2006/relationships" xmlns:p="http://schemas.openxmlformats.org/presentationml/2006/main">
+  <p:cSld>
+    <p:spTree>
+      <p:nvGrpSpPr>
+        <p:cNvPr id="1" name=""/>
+        <p:cNvGrpSpPr/>
+        <p:nvPr/>
+      </p:nvGrpSpPr>
+      <p:grpSpPr>
+        <a:xfrm>
+          <a:off x="0" y="0"/>
+          <a:ext cx="0" cy="0"/>
+          <a:chOff x="0" y="0"/>
+          <a:chExt cx="0" cy="0"/>
+        </a:xfrm>
+      </p:grpSpPr>
+      <p:sp>
+        <p:nvSpPr>
+          <p:cNvPr id="4" name="TextBox 3">
+            <a:extLst>
+              <a:ext uri="{FF2B5EF4-FFF2-40B4-BE49-F238E27FC236}">
+                <a16:creationId xmlns:a16="http://schemas.microsoft.com/office/drawing/2014/main" id="{771F1CAD-9DE5-DEB2-F657-E9D30E68A3DB}"/>
+              </a:ext>
+            </a:extLst>
+          </p:cNvPr>
+          <p:cNvSpPr txBox="1"/>
+          <p:nvPr/>
+        </p:nvSpPr>
+        <p:spPr>
+          <a:xfrm>
+            <a:off x="402519" y="328083"/>
+            <a:ext cx="9960681" cy="2308324"/>
+          </a:xfrm>
+          <a:prstGeom prst="rect">
+            <a:avLst/>
+          </a:prstGeom>
+          <a:noFill/>
+        </p:spPr>
+        <p:txBody>
+          <a:bodyPr wrap="square" rtlCol="0">
+            <a:spAutoFit/>
+          </a:bodyPr>
+          <a:lstStyle/>
+          <a:p>
+            <a:r>
+              <a:rPr lang="en-US" altLang="ko-KR" dirty="0" err="1"/>
+              <a:t>Stanely</a:t>
+            </a:r>
+            <a:endParaRPr lang="en-US" altLang="ko-KR" dirty="0"/>
+          </a:p>
+          <a:p>
+            <a:pPr marL="285750" indent="-285750">
+              <a:buFont typeface="Arial" panose="020B0604020202020204" pitchFamily="34" charset="0"/>
+              <a:buChar char="•"/>
+            </a:pPr>
+            <a:r>
+              <a:rPr lang="ko-KR" altLang="en-US" dirty="0"/>
+              <a:t>주요특징</a:t>
+            </a:r>
+            <a:endParaRPr lang="en-US" altLang="ko-KR" dirty="0"/>
+          </a:p>
+          <a:p>
+            <a:pPr marL="742950" lvl="1" indent="-285750">
+              <a:buFont typeface="Arial" panose="020B0604020202020204" pitchFamily="34" charset="0"/>
+              <a:buChar char="•"/>
+            </a:pPr>
+            <a:r>
+              <a:rPr lang="ko-KR" altLang="en-US" b="1" dirty="0"/>
+              <a:t>크로스 트랙 오차 </a:t>
+            </a:r>
+            <a:r>
+              <a:rPr lang="en-US" altLang="ko-KR" dirty="0"/>
+              <a:t>: </a:t>
+            </a:r>
+            <a:r>
+              <a:rPr lang="ko-KR" altLang="en-US" dirty="0"/>
+              <a:t>차량의 현재 위치와 목표 경로 사이의 수직 거리</a:t>
+            </a:r>
+            <a:r>
+              <a:rPr lang="en-US" altLang="ko-KR" dirty="0"/>
+              <a:t>. Stanley </a:t>
+            </a:r>
+            <a:r>
+              <a:rPr lang="ko-KR" altLang="en-US" dirty="0"/>
+              <a:t>방식은 크로스 트랙 </a:t>
+            </a:r>
+            <a:r>
+              <a:rPr lang="ko-KR" altLang="en-US" dirty="0" err="1"/>
+              <a:t>오차와를</a:t>
+            </a:r>
+            <a:r>
+              <a:rPr lang="ko-KR" altLang="en-US" dirty="0"/>
+              <a:t> 줄이기 위해 </a:t>
+            </a:r>
+            <a:r>
+              <a:rPr lang="ko-KR" altLang="en-US" dirty="0" err="1"/>
+              <a:t>조향각을</a:t>
+            </a:r>
+            <a:r>
+              <a:rPr lang="ko-KR" altLang="en-US" dirty="0"/>
+              <a:t> 조절합니다</a:t>
+            </a:r>
+            <a:r>
+              <a:rPr lang="en-US" altLang="ko-KR" dirty="0"/>
+              <a:t>. </a:t>
+            </a:r>
+          </a:p>
+          <a:p>
+            <a:pPr marL="742950" lvl="1" indent="-285750">
+              <a:buFont typeface="Arial" panose="020B0604020202020204" pitchFamily="34" charset="0"/>
+              <a:buChar char="•"/>
+            </a:pPr>
+            <a:r>
+              <a:rPr lang="ko-KR" altLang="en-US" b="1" dirty="0" err="1"/>
+              <a:t>조향</a:t>
+            </a:r>
+            <a:r>
+              <a:rPr lang="ko-KR" altLang="en-US" b="1" dirty="0"/>
+              <a:t> 제어 </a:t>
+            </a:r>
+            <a:r>
+              <a:rPr lang="en-US" altLang="ko-KR" dirty="0"/>
+              <a:t>: </a:t>
+            </a:r>
+            <a:r>
+              <a:rPr lang="en-US" altLang="ko-KR" b="0" i="0" dirty="0">
+                <a:solidFill>
+                  <a:srgbClr val="374151"/>
+                </a:solidFill>
+                <a:effectLst/>
+                <a:latin typeface="Söhne"/>
+              </a:rPr>
+              <a:t>Stanley </a:t>
+            </a:r>
+            <a:r>
+              <a:rPr lang="ko-KR" altLang="en-US" b="0" i="0" dirty="0">
+                <a:solidFill>
+                  <a:srgbClr val="374151"/>
+                </a:solidFill>
+                <a:effectLst/>
+                <a:latin typeface="Söhne"/>
+              </a:rPr>
+              <a:t>방식은 크로스 트랙 오차와 차량의 방향 오차를 사용하여 </a:t>
+            </a:r>
+            <a:r>
+              <a:rPr lang="ko-KR" altLang="en-US" b="0" i="0" dirty="0" err="1">
+                <a:solidFill>
+                  <a:srgbClr val="374151"/>
+                </a:solidFill>
+                <a:effectLst/>
+                <a:latin typeface="Söhne"/>
+              </a:rPr>
+              <a:t>조향각을</a:t>
+            </a:r>
+            <a:r>
+              <a:rPr lang="ko-KR" altLang="en-US" b="0" i="0" dirty="0">
+                <a:solidFill>
+                  <a:srgbClr val="374151"/>
+                </a:solidFill>
+                <a:effectLst/>
+                <a:latin typeface="Söhne"/>
+              </a:rPr>
+              <a:t> 계산합니다</a:t>
+            </a:r>
+            <a:r>
+              <a:rPr lang="en-US" altLang="ko-KR" b="0" i="0" dirty="0">
+                <a:solidFill>
+                  <a:srgbClr val="374151"/>
+                </a:solidFill>
+                <a:effectLst/>
+                <a:latin typeface="Söhne"/>
+              </a:rPr>
+              <a:t>. </a:t>
+            </a:r>
+            <a:r>
+              <a:rPr lang="ko-KR" altLang="en-US" b="0" i="0" dirty="0">
+                <a:solidFill>
+                  <a:srgbClr val="374151"/>
+                </a:solidFill>
+                <a:effectLst/>
+                <a:latin typeface="Söhne"/>
+              </a:rPr>
+              <a:t>이 </a:t>
+            </a:r>
+            <a:r>
+              <a:rPr lang="ko-KR" altLang="en-US" b="0" i="0" dirty="0" err="1">
+                <a:solidFill>
+                  <a:srgbClr val="374151"/>
+                </a:solidFill>
+                <a:effectLst/>
+                <a:latin typeface="Söhne"/>
+              </a:rPr>
+              <a:t>조향각은</a:t>
+            </a:r>
+            <a:r>
+              <a:rPr lang="ko-KR" altLang="en-US" b="0" i="0" dirty="0">
+                <a:solidFill>
+                  <a:srgbClr val="374151"/>
+                </a:solidFill>
+                <a:effectLst/>
+                <a:latin typeface="Söhne"/>
+              </a:rPr>
+              <a:t> 차량을 목표 경로로 되돌리기 위해 필요한 각도를 나타냅니다</a:t>
+            </a:r>
+            <a:r>
+              <a:rPr lang="en-US" altLang="ko-KR" b="0" i="0" dirty="0">
+                <a:solidFill>
+                  <a:srgbClr val="374151"/>
+                </a:solidFill>
+                <a:effectLst/>
+                <a:latin typeface="Söhne"/>
+              </a:rPr>
+              <a:t>.</a:t>
+            </a:r>
+          </a:p>
+          <a:p>
+            <a:pPr marL="742950" lvl="1" indent="-285750">
+              <a:buFont typeface="Arial" panose="020B0604020202020204" pitchFamily="34" charset="0"/>
+              <a:buChar char="•"/>
+            </a:pPr>
+            <a:r>
+              <a:rPr lang="ko-KR" altLang="en-US" b="1" i="0" dirty="0">
+                <a:effectLst/>
+                <a:latin typeface="Söhne"/>
+              </a:rPr>
+              <a:t>안정성 및 효율성</a:t>
+            </a:r>
+            <a:r>
+              <a:rPr lang="en-US" altLang="ko-KR" b="0" i="0" dirty="0">
+                <a:solidFill>
+                  <a:srgbClr val="374151"/>
+                </a:solidFill>
+                <a:effectLst/>
+                <a:latin typeface="Söhne"/>
+              </a:rPr>
+              <a:t>: Stanley </a:t>
+            </a:r>
+            <a:r>
+              <a:rPr lang="ko-KR" altLang="en-US" b="0" i="0" dirty="0">
+                <a:solidFill>
+                  <a:srgbClr val="374151"/>
+                </a:solidFill>
+                <a:effectLst/>
+                <a:latin typeface="Söhne"/>
+              </a:rPr>
+              <a:t>방식은 특히 곡선 구간에서의 경로 추적에 효과적입니다</a:t>
+            </a:r>
+            <a:r>
+              <a:rPr lang="en-US" altLang="ko-KR" b="0" i="0" dirty="0">
+                <a:solidFill>
+                  <a:srgbClr val="374151"/>
+                </a:solidFill>
+                <a:effectLst/>
+                <a:latin typeface="Söhne"/>
+              </a:rPr>
+              <a:t>. </a:t>
+            </a:r>
+            <a:r>
+              <a:rPr lang="ko-KR" altLang="en-US" b="0" i="0" dirty="0">
+                <a:solidFill>
+                  <a:srgbClr val="374151"/>
+                </a:solidFill>
+                <a:effectLst/>
+                <a:latin typeface="Söhne"/>
+              </a:rPr>
+              <a:t>이 방법은 빠른 반응과 높은 안정성을 제공하며</a:t>
+            </a:r>
+            <a:r>
+              <a:rPr lang="en-US" altLang="ko-KR" b="0" i="0" dirty="0">
+                <a:solidFill>
+                  <a:srgbClr val="374151"/>
+                </a:solidFill>
+                <a:effectLst/>
+                <a:latin typeface="Söhne"/>
+              </a:rPr>
+              <a:t>, </a:t>
+            </a:r>
+            <a:r>
+              <a:rPr lang="ko-KR" altLang="en-US" b="0" i="0" dirty="0">
+                <a:solidFill>
+                  <a:srgbClr val="374151"/>
+                </a:solidFill>
+                <a:effectLst/>
+                <a:latin typeface="Söhne"/>
+              </a:rPr>
+              <a:t>다양한 속도와 도로 조건에서도 잘 작동합니다</a:t>
+            </a:r>
+            <a:r>
+              <a:rPr lang="en-US" altLang="ko-KR" b="0" i="0" dirty="0">
+                <a:solidFill>
+                  <a:srgbClr val="374151"/>
+                </a:solidFill>
+                <a:effectLst/>
+                <a:latin typeface="Söhne"/>
+              </a:rPr>
+              <a:t>.</a:t>
+            </a:r>
+            <a:endParaRPr lang="ko-KR" altLang="en-US" dirty="0"/>
+          </a:p>
+        </p:txBody>
+      </p:sp>
+      <p:sp>
+        <p:nvSpPr>
+          <p:cNvPr id="6" name="TextBox 5">
+            <a:extLst>
+              <a:ext uri="{FF2B5EF4-FFF2-40B4-BE49-F238E27FC236}">
+                <a16:creationId xmlns:a16="http://schemas.microsoft.com/office/drawing/2014/main" id="{76BD4CAD-89D5-9F8A-30F7-9F54DC3F9B48}"/>
+              </a:ext>
+            </a:extLst>
+          </p:cNvPr>
+          <p:cNvSpPr txBox="1"/>
+          <p:nvPr/>
+        </p:nvSpPr>
+        <p:spPr>
+          <a:xfrm>
+            <a:off x="402519" y="3429000"/>
+            <a:ext cx="10254192" cy="646331"/>
+          </a:xfrm>
+          <a:prstGeom prst="rect">
+            <a:avLst/>
+          </a:prstGeom>
+          <a:noFill/>
+        </p:spPr>
+        <p:txBody>
+          <a:bodyPr wrap="square" rtlCol="0">
+            <a:spAutoFit/>
+          </a:bodyPr>
+          <a:lstStyle/>
+          <a:p>
+            <a:r>
+              <a:rPr lang="en-US" altLang="ko-KR" dirty="0"/>
+              <a:t>Pure</a:t>
+            </a:r>
+            <a:r>
+              <a:rPr lang="ko-KR" altLang="en-US" dirty="0"/>
+              <a:t> </a:t>
+            </a:r>
+            <a:r>
+              <a:rPr lang="en-US" altLang="ko-KR" dirty="0"/>
+              <a:t>pursuit </a:t>
+            </a:r>
+            <a:r>
+              <a:rPr lang="ko-KR" altLang="en-US" dirty="0"/>
+              <a:t>과의 </a:t>
+            </a:r>
+            <a:r>
+              <a:rPr lang="ko-KR" altLang="en-US" dirty="0" err="1"/>
+              <a:t>다른점은</a:t>
+            </a:r>
+            <a:r>
+              <a:rPr lang="ko-KR" altLang="en-US" dirty="0"/>
+              <a:t> 뒷바퀴의 </a:t>
+            </a:r>
+            <a:r>
+              <a:rPr lang="ko-KR" altLang="en-US" dirty="0" err="1"/>
+              <a:t>휠을</a:t>
+            </a:r>
+            <a:r>
+              <a:rPr lang="ko-KR" altLang="en-US" dirty="0"/>
+              <a:t> 사용하는 것이 아니라 </a:t>
+            </a:r>
+            <a:r>
+              <a:rPr lang="ko-KR" altLang="en-US" dirty="0" err="1"/>
+              <a:t>앞바퀴</a:t>
+            </a:r>
+            <a:r>
+              <a:rPr lang="ko-KR" altLang="en-US" dirty="0"/>
+              <a:t> 쪽</a:t>
+            </a:r>
+            <a:r>
+              <a:rPr lang="en-US" altLang="ko-KR" dirty="0"/>
+              <a:t>(the front axle)</a:t>
+            </a:r>
+            <a:r>
+              <a:rPr lang="ko-KR" altLang="en-US" dirty="0"/>
+              <a:t>을 사용한다</a:t>
+            </a:r>
+            <a:r>
+              <a:rPr lang="en-US" altLang="ko-KR" dirty="0"/>
+              <a:t>. </a:t>
+            </a:r>
+            <a:endParaRPr lang="ko-KR" altLang="en-US" dirty="0"/>
+          </a:p>
+        </p:txBody>
+      </p:sp>
+    </p:spTree>
+    <p:extLst>
+      <p:ext uri="{BB962C8B-B14F-4D97-AF65-F5344CB8AC3E}">
+        <p14:creationId xmlns:p14="http://schemas.microsoft.com/office/powerpoint/2010/main" val="1612861898"/>
+      </p:ext>
+    </p:extLst>
+  </p:cSld>
+  <p:clrMapOvr>
+    <a:masterClrMapping/>
+  </p:clrMapOvr>
+</p:sld>
+</file>
+
+<file path=ppt/slides/slide5.xml><?xml version="1.0" encoding="utf-8"?>
+<p:sld xmlns:a="http://schemas.openxmlformats.org/drawingml/2006/main" xmlns:r="http://schemas.openxmlformats.org/officeDocument/2006/relationships" xmlns:p="http://schemas.openxmlformats.org/presentationml/2006/main">
+  <p:cSld>
+    <p:spTree>
+      <p:nvGrpSpPr>
+        <p:cNvPr id="1" name=""/>
+        <p:cNvGrpSpPr/>
+        <p:nvPr/>
+      </p:nvGrpSpPr>
+      <p:grpSpPr>
+        <a:xfrm>
+          <a:off x="0" y="0"/>
+          <a:ext cx="0" cy="0"/>
+          <a:chOff x="0" y="0"/>
+          <a:chExt cx="0" cy="0"/>
+        </a:xfrm>
+      </p:grpSpPr>
+      <p:pic>
+        <p:nvPicPr>
+          <p:cNvPr id="5" name="그림 4">
+            <a:extLst>
+              <a:ext uri="{FF2B5EF4-FFF2-40B4-BE49-F238E27FC236}">
+                <a16:creationId xmlns:a16="http://schemas.microsoft.com/office/drawing/2014/main" id="{12F4F330-197F-7242-8B79-C62981E73CEE}"/>
+              </a:ext>
+            </a:extLst>
+          </p:cNvPr>
+          <p:cNvPicPr>
+            <a:picLocks noChangeAspect="1"/>
+          </p:cNvPicPr>
+          <p:nvPr/>
+        </p:nvPicPr>
+        <p:blipFill>
+          <a:blip r:embed="rId2"/>
+          <a:stretch>
+            <a:fillRect/>
+          </a:stretch>
+        </p:blipFill>
+        <p:spPr>
+          <a:xfrm>
+            <a:off x="506942" y="438150"/>
+            <a:ext cx="3524250" cy="2990850"/>
+          </a:xfrm>
+          <a:prstGeom prst="rect">
+            <a:avLst/>
+          </a:prstGeom>
+        </p:spPr>
+      </p:pic>
+      <mc:AlternateContent xmlns:mc="http://schemas.openxmlformats.org/markup-compatibility/2006">
+        <mc:Choice xmlns:a14="http://schemas.microsoft.com/office/drawing/2010/main" Requires="a14">
+          <p:sp>
+            <p:nvSpPr>
+              <p:cNvPr id="7" name="TextBox 6">
+                <a:extLst>
+                  <a:ext uri="{FF2B5EF4-FFF2-40B4-BE49-F238E27FC236}">
+                    <a16:creationId xmlns:a16="http://schemas.microsoft.com/office/drawing/2014/main" id="{CE9EDC2E-EDD1-CF0A-277B-7D83A6649D13}"/>
+                  </a:ext>
+                </a:extLst>
+              </p:cNvPr>
+              <p:cNvSpPr txBox="1"/>
+              <p:nvPr/>
+            </p:nvSpPr>
+            <p:spPr>
+              <a:xfrm>
+                <a:off x="666044" y="3551956"/>
+                <a:ext cx="10148711" cy="2777683"/>
+              </a:xfrm>
+              <a:prstGeom prst="rect">
+                <a:avLst/>
+              </a:prstGeom>
+              <a:noFill/>
+            </p:spPr>
+            <p:txBody>
+              <a:bodyPr wrap="square">
+                <a:spAutoFit/>
+              </a:bodyPr>
+              <a:lstStyle/>
+              <a:p>
+                <a:r>
+                  <a:rPr lang="ko-KR" altLang="en-US" b="0" i="0" dirty="0">
+                    <a:solidFill>
+                      <a:srgbClr val="242424"/>
+                    </a:solidFill>
+                    <a:effectLst/>
+                    <a:latin typeface="source-serif-pro"/>
+                  </a:rPr>
+                  <a:t>𝜓</a:t>
+                </a:r>
+                <a:r>
+                  <a:rPr lang="en-US" altLang="ko-KR" b="0" i="0" dirty="0">
+                    <a:solidFill>
+                      <a:srgbClr val="242424"/>
+                    </a:solidFill>
+                    <a:effectLst/>
+                    <a:latin typeface="source-serif-pro"/>
+                  </a:rPr>
+                  <a:t>(t) : </a:t>
+                </a:r>
+                <a:r>
+                  <a:rPr lang="ko-KR" altLang="en-US" b="0" i="0" dirty="0">
+                    <a:solidFill>
+                      <a:srgbClr val="242424"/>
+                    </a:solidFill>
+                    <a:effectLst/>
+                    <a:latin typeface="source-serif-pro"/>
+                  </a:rPr>
+                  <a:t>경로의 방향</a:t>
+                </a:r>
+                <a:r>
+                  <a:rPr lang="en-US" altLang="ko-KR" b="0" i="0" dirty="0">
+                    <a:solidFill>
+                      <a:srgbClr val="242424"/>
+                    </a:solidFill>
+                    <a:effectLst/>
+                    <a:latin typeface="source-serif-pro"/>
+                  </a:rPr>
+                  <a:t>(heading) </a:t>
+                </a:r>
+                <a:r>
+                  <a:rPr lang="ko-KR" altLang="en-US" b="0" i="0" dirty="0">
+                    <a:solidFill>
+                      <a:srgbClr val="242424"/>
+                    </a:solidFill>
+                    <a:effectLst/>
+                    <a:latin typeface="source-serif-pro"/>
+                  </a:rPr>
+                  <a:t>과 차체의 방향 차이</a:t>
+                </a:r>
+                <a:endParaRPr lang="en-US" altLang="ko-KR" b="0" i="0" dirty="0">
+                  <a:solidFill>
+                    <a:srgbClr val="242424"/>
+                  </a:solidFill>
+                  <a:effectLst/>
+                  <a:latin typeface="source-serif-pro"/>
+                </a:endParaRPr>
+              </a:p>
+              <a:p>
+                <a:r>
+                  <a:rPr lang="ko-KR" altLang="en-US" b="0" i="0" dirty="0">
+                    <a:solidFill>
+                      <a:srgbClr val="242424"/>
+                    </a:solidFill>
+                    <a:effectLst/>
+                    <a:latin typeface="source-serif-pro"/>
+                  </a:rPr>
+                  <a:t>𝛿</a:t>
+                </a:r>
+                <a:r>
+                  <a:rPr lang="en-US" altLang="ko-KR" dirty="0">
+                    <a:solidFill>
+                      <a:srgbClr val="242424"/>
+                    </a:solidFill>
+                    <a:latin typeface="source-serif-pro"/>
+                  </a:rPr>
+                  <a:t> : steering angle</a:t>
+                </a:r>
+              </a:p>
+              <a:p>
+                <a:endParaRPr lang="en-US" altLang="ko-KR" dirty="0">
+                  <a:solidFill>
+                    <a:srgbClr val="242424"/>
+                  </a:solidFill>
+                  <a:latin typeface="source-serif-pro"/>
+                </a:endParaRPr>
+              </a:p>
+              <a:p>
+                <a:r>
+                  <a:rPr lang="en-US" altLang="ko-KR" dirty="0">
+                    <a:solidFill>
+                      <a:srgbClr val="242424"/>
+                    </a:solidFill>
+                    <a:latin typeface="source-serif-pro"/>
+                  </a:rPr>
+                  <a:t>3</a:t>
+                </a:r>
+                <a:r>
+                  <a:rPr lang="ko-KR" altLang="en-US" dirty="0">
+                    <a:solidFill>
+                      <a:srgbClr val="242424"/>
+                    </a:solidFill>
+                    <a:latin typeface="source-serif-pro"/>
+                  </a:rPr>
+                  <a:t>가지 </a:t>
+                </a:r>
+                <a:r>
+                  <a:rPr lang="en-US" altLang="ko-KR" dirty="0" err="1">
+                    <a:solidFill>
+                      <a:srgbClr val="242424"/>
+                    </a:solidFill>
+                    <a:latin typeface="source-serif-pro"/>
+                  </a:rPr>
+                  <a:t>stanley</a:t>
+                </a:r>
+                <a:r>
+                  <a:rPr lang="en-US" altLang="ko-KR" dirty="0">
+                    <a:solidFill>
+                      <a:srgbClr val="242424"/>
+                    </a:solidFill>
+                    <a:latin typeface="source-serif-pro"/>
+                  </a:rPr>
+                  <a:t> method </a:t>
+                </a:r>
+                <a:r>
+                  <a:rPr lang="ko-KR" altLang="en-US" dirty="0">
+                    <a:solidFill>
+                      <a:srgbClr val="242424"/>
+                    </a:solidFill>
+                    <a:latin typeface="source-serif-pro"/>
+                  </a:rPr>
+                  <a:t>의 법칙 </a:t>
+                </a:r>
+                <a:endParaRPr lang="en-US" altLang="ko-KR" dirty="0">
+                  <a:solidFill>
+                    <a:srgbClr val="242424"/>
+                  </a:solidFill>
+                  <a:latin typeface="source-serif-pro"/>
+                </a:endParaRPr>
+              </a:p>
+              <a:p>
+                <a:pPr marL="342900" indent="-342900">
+                  <a:buAutoNum type="arabicPeriod"/>
+                </a:pPr>
+                <a:r>
+                  <a:rPr lang="en-US" altLang="ko-KR" b="0" i="0" dirty="0">
+                    <a:solidFill>
+                      <a:srgbClr val="242424"/>
+                    </a:solidFill>
+                    <a:effectLst/>
+                    <a:latin typeface="source-serif-pro"/>
+                  </a:rPr>
+                  <a:t> </a:t>
+                </a:r>
+                <a:r>
+                  <a:rPr lang="ko-KR" altLang="en-US" b="0" i="0" dirty="0">
+                    <a:solidFill>
+                      <a:srgbClr val="242424"/>
+                    </a:solidFill>
+                    <a:effectLst/>
+                    <a:latin typeface="source-serif-pro"/>
+                  </a:rPr>
+                  <a:t>𝛿 </a:t>
+                </a:r>
+                <a:r>
+                  <a:rPr lang="en-US" altLang="ko-KR" b="0" i="0" dirty="0">
+                    <a:solidFill>
+                      <a:srgbClr val="242424"/>
+                    </a:solidFill>
+                    <a:effectLst/>
+                    <a:latin typeface="source-serif-pro"/>
+                  </a:rPr>
+                  <a:t>(t)= </a:t>
+                </a:r>
+                <a:r>
+                  <a:rPr lang="ko-KR" altLang="en-US" b="0" i="0" dirty="0">
+                    <a:solidFill>
+                      <a:srgbClr val="242424"/>
+                    </a:solidFill>
+                    <a:effectLst/>
+                    <a:latin typeface="source-serif-pro"/>
+                  </a:rPr>
+                  <a:t>𝜓</a:t>
+                </a:r>
+                <a:r>
+                  <a:rPr lang="en-US" altLang="ko-KR" b="0" i="0" dirty="0">
+                    <a:solidFill>
+                      <a:srgbClr val="242424"/>
+                    </a:solidFill>
+                    <a:effectLst/>
+                    <a:latin typeface="source-serif-pro"/>
+                  </a:rPr>
+                  <a:t>(</a:t>
+                </a:r>
+                <a:r>
+                  <a:rPr lang="ko-KR" altLang="en-US" b="0" i="0" dirty="0">
+                    <a:solidFill>
+                      <a:srgbClr val="242424"/>
+                    </a:solidFill>
+                    <a:effectLst/>
+                    <a:latin typeface="source-serif-pro"/>
+                  </a:rPr>
+                  <a:t>𝑡</a:t>
+                </a:r>
+                <a:r>
+                  <a:rPr lang="en-US" altLang="ko-KR" b="0" i="0" dirty="0">
+                    <a:solidFill>
+                      <a:srgbClr val="242424"/>
+                    </a:solidFill>
+                    <a:effectLst/>
+                    <a:latin typeface="source-serif-pro"/>
+                  </a:rPr>
+                  <a:t>) </a:t>
+                </a:r>
+                <a:r>
+                  <a:rPr lang="ko-KR" altLang="en-US" b="0" i="0" dirty="0">
+                    <a:solidFill>
+                      <a:srgbClr val="242424"/>
+                    </a:solidFill>
+                    <a:effectLst/>
+                    <a:latin typeface="source-serif-pro"/>
+                  </a:rPr>
+                  <a:t>차체방향의 </a:t>
+                </a:r>
+                <a:r>
+                  <a:rPr lang="en-US" altLang="ko-KR" b="0" i="0" dirty="0">
+                    <a:solidFill>
+                      <a:srgbClr val="242424"/>
+                    </a:solidFill>
+                    <a:effectLst/>
+                    <a:latin typeface="source-serif-pro"/>
+                  </a:rPr>
+                  <a:t>heading </a:t>
+                </a:r>
+                <a:r>
+                  <a:rPr lang="ko-KR" altLang="en-US" b="0" i="0" dirty="0">
+                    <a:solidFill>
+                      <a:srgbClr val="242424"/>
+                    </a:solidFill>
+                    <a:effectLst/>
+                    <a:latin typeface="source-serif-pro"/>
+                  </a:rPr>
+                  <a:t>에러를 줄인다</a:t>
+                </a:r>
+                <a:r>
+                  <a:rPr lang="en-US" altLang="ko-KR" b="0" i="0" dirty="0">
+                    <a:solidFill>
+                      <a:srgbClr val="242424"/>
+                    </a:solidFill>
+                    <a:effectLst/>
+                    <a:latin typeface="source-serif-pro"/>
+                  </a:rPr>
+                  <a:t>. </a:t>
+                </a:r>
+              </a:p>
+              <a:p>
+                <a:pPr marL="342900" indent="-342900">
+                  <a:buAutoNum type="arabicPeriod"/>
+                </a:pPr>
+                <a:r>
+                  <a:rPr lang="en-US" altLang="ko-KR" dirty="0">
+                    <a:solidFill>
+                      <a:srgbClr val="242424"/>
+                    </a:solidFill>
+                    <a:latin typeface="source-serif-pro"/>
+                  </a:rPr>
+                  <a:t>Cross-track-error </a:t>
+                </a:r>
+                <a:r>
+                  <a:rPr lang="ko-KR" altLang="en-US" dirty="0">
+                    <a:solidFill>
+                      <a:srgbClr val="242424"/>
+                    </a:solidFill>
+                    <a:latin typeface="source-serif-pro"/>
+                  </a:rPr>
+                  <a:t>를 줄인다</a:t>
+                </a:r>
+                <a:r>
+                  <a:rPr lang="en-US" altLang="ko-KR" dirty="0">
+                    <a:solidFill>
+                      <a:srgbClr val="242424"/>
+                    </a:solidFill>
+                    <a:latin typeface="source-serif-pro"/>
+                  </a:rPr>
+                  <a:t>. 2</a:t>
+                </a:r>
+                <a:r>
+                  <a:rPr lang="ko-KR" altLang="en-US" dirty="0">
+                    <a:solidFill>
+                      <a:srgbClr val="242424"/>
+                    </a:solidFill>
+                    <a:latin typeface="source-serif-pro"/>
+                  </a:rPr>
+                  <a:t>단계는 </a:t>
+                </a:r>
+                <a:r>
+                  <a:rPr lang="en-US" altLang="ko-KR" dirty="0">
+                    <a:solidFill>
+                      <a:srgbClr val="242424"/>
+                    </a:solidFill>
+                    <a:latin typeface="source-serif-pro"/>
+                  </a:rPr>
+                  <a:t>path</a:t>
+                </a:r>
+                <a:r>
+                  <a:rPr lang="ko-KR" altLang="en-US" dirty="0">
+                    <a:solidFill>
+                      <a:srgbClr val="242424"/>
+                    </a:solidFill>
+                    <a:latin typeface="source-serif-pro"/>
+                  </a:rPr>
+                  <a:t> 와 차체의 가장 </a:t>
+                </a:r>
+                <a:r>
+                  <a:rPr lang="ko-KR" altLang="en-US" dirty="0" err="1">
+                    <a:solidFill>
+                      <a:srgbClr val="242424"/>
+                    </a:solidFill>
+                    <a:latin typeface="source-serif-pro"/>
+                  </a:rPr>
+                  <a:t>가까운점</a:t>
+                </a:r>
+                <a:r>
+                  <a:rPr lang="en-US" altLang="ko-KR" dirty="0">
+                    <a:solidFill>
+                      <a:srgbClr val="242424"/>
+                    </a:solidFill>
+                    <a:latin typeface="source-serif-pro"/>
+                  </a:rPr>
+                  <a:t>(</a:t>
+                </a:r>
+                <a:r>
+                  <a:rPr lang="en-US" altLang="ko-KR" b="0" i="0" dirty="0">
+                    <a:solidFill>
+                      <a:srgbClr val="242424"/>
+                    </a:solidFill>
+                    <a:effectLst/>
+                    <a:latin typeface="source-serif-pro"/>
+                  </a:rPr>
+                  <a:t>e(t)) </a:t>
+                </a:r>
+                <a:r>
+                  <a:rPr lang="ko-KR" altLang="en-US" b="0" i="0" dirty="0">
+                    <a:solidFill>
+                      <a:srgbClr val="242424"/>
+                    </a:solidFill>
+                    <a:effectLst/>
+                    <a:latin typeface="source-serif-pro"/>
+                  </a:rPr>
+                  <a:t>을 찾는다</a:t>
+                </a:r>
+                <a:r>
+                  <a:rPr lang="en-US" altLang="ko-KR" b="0" i="0" dirty="0">
+                    <a:solidFill>
+                      <a:srgbClr val="242424"/>
+                    </a:solidFill>
+                    <a:effectLst/>
+                    <a:latin typeface="source-serif-pro"/>
+                  </a:rPr>
+                  <a:t>. </a:t>
+                </a:r>
+              </a:p>
+              <a:p>
+                <a:pPr marL="342900" indent="-342900">
+                  <a:buAutoNum type="arabicPeriod"/>
+                </a:pPr>
+                <a14:m>
+                  <m:oMath xmlns:m="http://schemas.openxmlformats.org/officeDocument/2006/math">
+                    <m:r>
+                      <m:rPr>
+                        <m:nor/>
+                      </m:rPr>
+                      <a:rPr lang="ko-KR" altLang="en-US" dirty="0">
+                        <a:solidFill>
+                          <a:srgbClr val="242424"/>
+                        </a:solidFill>
+                        <a:latin typeface="source-serif-pro"/>
+                      </a:rPr>
+                      <m:t>𝛿</m:t>
+                    </m:r>
+                    <m:r>
+                      <m:rPr>
+                        <m:nor/>
+                      </m:rPr>
+                      <a:rPr lang="ko-KR" altLang="en-US" dirty="0">
+                        <a:solidFill>
+                          <a:srgbClr val="242424"/>
+                        </a:solidFill>
+                        <a:latin typeface="source-serif-pro"/>
+                      </a:rPr>
+                      <m:t> </m:t>
+                    </m:r>
+                    <m:r>
+                      <m:rPr>
+                        <m:nor/>
+                      </m:rPr>
+                      <a:rPr lang="en-US" altLang="ko-KR" dirty="0">
+                        <a:solidFill>
+                          <a:srgbClr val="242424"/>
+                        </a:solidFill>
+                        <a:latin typeface="source-serif-pro"/>
+                      </a:rPr>
+                      <m:t>(</m:t>
+                    </m:r>
+                    <m:r>
+                      <m:rPr>
+                        <m:nor/>
+                      </m:rPr>
+                      <a:rPr lang="en-US" altLang="ko-KR" dirty="0">
+                        <a:solidFill>
+                          <a:srgbClr val="242424"/>
+                        </a:solidFill>
+                        <a:latin typeface="source-serif-pro"/>
+                      </a:rPr>
+                      <m:t>t</m:t>
+                    </m:r>
+                    <m:r>
+                      <m:rPr>
+                        <m:nor/>
+                      </m:rPr>
+                      <a:rPr lang="en-US" altLang="ko-KR" dirty="0">
+                        <a:solidFill>
+                          <a:srgbClr val="242424"/>
+                        </a:solidFill>
+                        <a:latin typeface="source-serif-pro"/>
+                      </a:rPr>
+                      <m:t>)</m:t>
+                    </m:r>
+                  </m:oMath>
+                </a14:m>
+                <a:r>
+                  <a:rPr lang="ko-KR" altLang="en-US" dirty="0"/>
+                  <a:t> </a:t>
+                </a:r>
+                <a:r>
+                  <a:rPr lang="en-US" altLang="ko-KR" dirty="0"/>
+                  <a:t>= </a:t>
+                </a:r>
+                <a14:m>
+                  <m:oMath xmlns:m="http://schemas.openxmlformats.org/officeDocument/2006/math">
+                    <m:sSup>
+                      <m:sSupPr>
+                        <m:ctrlPr>
+                          <a:rPr lang="en-US" altLang="ko-KR" b="0" i="1" smtClean="0">
+                            <a:latin typeface="Cambria Math" panose="02040503050406030204" pitchFamily="18" charset="0"/>
+                          </a:rPr>
+                        </m:ctrlPr>
+                      </m:sSupPr>
+                      <m:e>
+                        <m:r>
+                          <a:rPr lang="en-US" altLang="ko-KR" b="0" i="1" smtClean="0">
+                            <a:latin typeface="Cambria Math" panose="02040503050406030204" pitchFamily="18" charset="0"/>
+                          </a:rPr>
+                          <m:t>𝑡𝑎𝑛</m:t>
+                        </m:r>
+                      </m:e>
+                      <m:sup>
+                        <m:r>
+                          <a:rPr lang="en-US" altLang="ko-KR" b="0" i="1" smtClean="0">
+                            <a:latin typeface="Cambria Math" panose="02040503050406030204" pitchFamily="18" charset="0"/>
+                          </a:rPr>
+                          <m:t>−1</m:t>
+                        </m:r>
+                      </m:sup>
+                    </m:sSup>
+                    <m:r>
+                      <a:rPr lang="en-US" altLang="ko-KR" b="0" i="1" smtClean="0">
+                        <a:latin typeface="Cambria Math" panose="02040503050406030204" pitchFamily="18" charset="0"/>
+                      </a:rPr>
+                      <m:t>(</m:t>
+                    </m:r>
+                    <m:f>
+                      <m:fPr>
+                        <m:ctrlPr>
+                          <a:rPr lang="en-US" altLang="ko-KR" b="0" i="1" smtClean="0">
+                            <a:latin typeface="Cambria Math" panose="02040503050406030204" pitchFamily="18" charset="0"/>
+                          </a:rPr>
+                        </m:ctrlPr>
+                      </m:fPr>
+                      <m:num>
+                        <m:r>
+                          <a:rPr lang="en-US" altLang="ko-KR" b="0" i="1" smtClean="0">
+                            <a:latin typeface="Cambria Math" panose="02040503050406030204" pitchFamily="18" charset="0"/>
+                          </a:rPr>
+                          <m:t>𝑘𝑒</m:t>
+                        </m:r>
+                        <m:r>
+                          <a:rPr lang="en-US" altLang="ko-KR" i="1" smtClean="0">
+                            <a:latin typeface="Cambria Math" panose="02040503050406030204" pitchFamily="18" charset="0"/>
+                          </a:rPr>
+                          <m:t> </m:t>
+                        </m:r>
+                        <m:r>
+                          <a:rPr lang="en-US" altLang="ko-KR" i="1">
+                            <a:latin typeface="Cambria Math" panose="02040503050406030204" pitchFamily="18" charset="0"/>
+                          </a:rPr>
+                          <m:t>(</m:t>
+                        </m:r>
+                        <m:r>
+                          <a:rPr lang="en-US" altLang="ko-KR" i="1">
+                            <a:latin typeface="Cambria Math" panose="02040503050406030204" pitchFamily="18" charset="0"/>
+                          </a:rPr>
+                          <m:t>𝑡</m:t>
+                        </m:r>
+                        <m:r>
+                          <a:rPr lang="en-US" altLang="ko-KR" i="1">
+                            <a:latin typeface="Cambria Math" panose="02040503050406030204" pitchFamily="18" charset="0"/>
+                          </a:rPr>
+                          <m:t>)</m:t>
+                        </m:r>
+                      </m:num>
+                      <m:den>
+                        <m:sSub>
+                          <m:sSubPr>
+                            <m:ctrlPr>
+                              <a:rPr lang="en-US" altLang="ko-KR" b="0" i="1" smtClean="0">
+                                <a:latin typeface="Cambria Math" panose="02040503050406030204" pitchFamily="18" charset="0"/>
+                              </a:rPr>
+                            </m:ctrlPr>
+                          </m:sSubPr>
+                          <m:e>
+                            <m:r>
+                              <a:rPr lang="en-US" altLang="ko-KR" b="0" i="1" smtClean="0">
+                                <a:latin typeface="Cambria Math" panose="02040503050406030204" pitchFamily="18" charset="0"/>
+                              </a:rPr>
+                              <m:t>𝑣</m:t>
+                            </m:r>
+                          </m:e>
+                          <m:sub>
+                            <m:r>
+                              <a:rPr lang="en-US" altLang="ko-KR" b="0" i="1" smtClean="0">
+                                <a:latin typeface="Cambria Math" panose="02040503050406030204" pitchFamily="18" charset="0"/>
+                              </a:rPr>
+                              <m:t>𝑓</m:t>
+                            </m:r>
+                          </m:sub>
+                        </m:sSub>
+                        <m:r>
+                          <a:rPr lang="en-US" altLang="ko-KR" b="0" i="1" smtClean="0">
+                            <a:latin typeface="Cambria Math" panose="02040503050406030204" pitchFamily="18" charset="0"/>
+                          </a:rPr>
+                          <m:t>(</m:t>
+                        </m:r>
+                        <m:r>
+                          <a:rPr lang="en-US" altLang="ko-KR" b="0" i="1" smtClean="0">
+                            <a:latin typeface="Cambria Math" panose="02040503050406030204" pitchFamily="18" charset="0"/>
+                          </a:rPr>
+                          <m:t>𝑡</m:t>
+                        </m:r>
+                        <m:r>
+                          <a:rPr lang="en-US" altLang="ko-KR" b="0" i="1" smtClean="0">
+                            <a:latin typeface="Cambria Math" panose="02040503050406030204" pitchFamily="18" charset="0"/>
+                          </a:rPr>
+                          <m:t>)</m:t>
+                        </m:r>
+                      </m:den>
+                    </m:f>
+                    <m:r>
+                      <a:rPr lang="en-US" altLang="ko-KR" b="0" i="1" smtClean="0">
+                        <a:latin typeface="Cambria Math" panose="02040503050406030204" pitchFamily="18" charset="0"/>
+                      </a:rPr>
+                      <m:t>)</m:t>
+                    </m:r>
+                  </m:oMath>
+                </a14:m>
+                <a:endParaRPr lang="en-US" altLang="ko-KR" dirty="0"/>
+              </a:p>
+              <a:p>
+                <a:pPr marL="342900" indent="-342900">
+                  <a:buAutoNum type="arabicPeriod"/>
+                </a:pPr>
+                <a:r>
+                  <a:rPr lang="ko-KR" altLang="en-US" i="0" dirty="0">
+                    <a:effectLst/>
+                    <a:latin typeface="Söhne"/>
+                  </a:rPr>
+                  <a:t>최대 </a:t>
+                </a:r>
+                <a:r>
+                  <a:rPr lang="ko-KR" altLang="en-US" i="0" dirty="0" err="1">
+                    <a:effectLst/>
+                    <a:latin typeface="Söhne"/>
+                  </a:rPr>
+                  <a:t>조향각</a:t>
+                </a:r>
+                <a:r>
+                  <a:rPr lang="ko-KR" altLang="en-US" i="0" dirty="0">
+                    <a:effectLst/>
+                    <a:latin typeface="Söhne"/>
+                  </a:rPr>
+                  <a:t> 한계 준수하기</a:t>
+                </a:r>
+                <a:r>
+                  <a:rPr lang="en-US" altLang="ko-KR" b="0" i="0" dirty="0">
+                    <a:solidFill>
+                      <a:srgbClr val="374151"/>
+                    </a:solidFill>
+                    <a:effectLst/>
+                    <a:latin typeface="Söhne"/>
+                  </a:rPr>
+                  <a:t>: </a:t>
+                </a:r>
+                <a:r>
+                  <a:rPr lang="ko-KR" altLang="en-US" b="0" i="0" dirty="0">
+                    <a:solidFill>
+                      <a:srgbClr val="374151"/>
+                    </a:solidFill>
+                    <a:effectLst/>
+                    <a:latin typeface="Söhne"/>
+                  </a:rPr>
+                  <a:t>마지막 단계에서는 </a:t>
+                </a:r>
+                <a:r>
+                  <a:rPr lang="ko-KR" altLang="en-US" b="0" i="0" dirty="0" err="1">
+                    <a:solidFill>
+                      <a:srgbClr val="374151"/>
+                    </a:solidFill>
+                    <a:effectLst/>
+                    <a:latin typeface="Söhne"/>
+                  </a:rPr>
+                  <a:t>조향각이</a:t>
+                </a:r>
+                <a:r>
+                  <a:rPr lang="ko-KR" altLang="en-US" b="0" i="0" dirty="0">
+                    <a:solidFill>
+                      <a:srgbClr val="374151"/>
+                    </a:solidFill>
+                    <a:effectLst/>
+                    <a:latin typeface="Söhne"/>
+                  </a:rPr>
+                  <a:t> 최소 및 최대 </a:t>
+                </a:r>
+                <a:r>
+                  <a:rPr lang="ko-KR" altLang="en-US" b="0" i="0" dirty="0" err="1">
+                    <a:solidFill>
+                      <a:srgbClr val="374151"/>
+                    </a:solidFill>
+                    <a:effectLst/>
+                    <a:latin typeface="Söhne"/>
+                  </a:rPr>
+                  <a:t>조향각</a:t>
+                </a:r>
+                <a:r>
+                  <a:rPr lang="ko-KR" altLang="en-US" b="0" i="0" dirty="0">
+                    <a:solidFill>
+                      <a:srgbClr val="374151"/>
+                    </a:solidFill>
+                    <a:effectLst/>
+                    <a:latin typeface="Söhne"/>
+                  </a:rPr>
+                  <a:t> 한계인 </a:t>
+                </a:r>
+                <a14:m>
+                  <m:oMath xmlns:m="http://schemas.openxmlformats.org/officeDocument/2006/math">
+                    <m:sSub>
+                      <m:sSubPr>
+                        <m:ctrlPr>
+                          <a:rPr lang="en-US" altLang="ko-KR" b="0" i="1" smtClean="0">
+                            <a:latin typeface="Cambria Math" panose="02040503050406030204" pitchFamily="18" charset="0"/>
+                          </a:rPr>
+                        </m:ctrlPr>
+                      </m:sSubPr>
+                      <m:e>
+                        <m:r>
+                          <m:rPr>
+                            <m:nor/>
+                          </m:rPr>
+                          <a:rPr lang="ko-KR" altLang="en-US" dirty="0">
+                            <a:solidFill>
+                              <a:srgbClr val="242424"/>
+                            </a:solidFill>
+                            <a:latin typeface="source-serif-pro"/>
+                          </a:rPr>
+                          <m:t>𝛿</m:t>
+                        </m:r>
+                      </m:e>
+                      <m:sub>
+                        <m:r>
+                          <a:rPr lang="en-US" altLang="ko-KR" b="0" i="1" smtClean="0">
+                            <a:latin typeface="Cambria Math" panose="02040503050406030204" pitchFamily="18" charset="0"/>
+                          </a:rPr>
+                          <m:t>𝑚𝑖𝑛</m:t>
+                        </m:r>
+                      </m:sub>
+                    </m:sSub>
+                    <m:r>
+                      <a:rPr lang="en-US" altLang="ko-KR" b="0" i="1" smtClean="0">
+                        <a:latin typeface="Cambria Math" panose="02040503050406030204" pitchFamily="18" charset="0"/>
+                      </a:rPr>
+                      <m:t> </m:t>
+                    </m:r>
+                  </m:oMath>
+                </a14:m>
+                <a:r>
+                  <a:rPr lang="en-US" altLang="ko-KR" b="0" i="0" dirty="0">
+                    <a:solidFill>
+                      <a:srgbClr val="374151"/>
+                    </a:solidFill>
+                    <a:effectLst/>
+                    <a:latin typeface="KaTeX_Main"/>
+                  </a:rPr>
+                  <a:t>​</a:t>
+                </a:r>
+                <a:r>
+                  <a:rPr lang="ko-KR" altLang="en-US" b="0" i="0" dirty="0">
+                    <a:solidFill>
+                      <a:srgbClr val="374151"/>
+                    </a:solidFill>
+                    <a:effectLst/>
+                    <a:latin typeface="Söhne"/>
+                  </a:rPr>
+                  <a:t>과 </a:t>
+                </a:r>
+                <a14:m>
+                  <m:oMath xmlns:m="http://schemas.openxmlformats.org/officeDocument/2006/math">
+                    <m:sSub>
+                      <m:sSubPr>
+                        <m:ctrlPr>
+                          <a:rPr lang="en-US" altLang="ko-KR" i="1">
+                            <a:latin typeface="Cambria Math" panose="02040503050406030204" pitchFamily="18" charset="0"/>
+                          </a:rPr>
+                        </m:ctrlPr>
+                      </m:sSubPr>
+                      <m:e>
+                        <m:r>
+                          <m:rPr>
+                            <m:nor/>
+                          </m:rPr>
+                          <a:rPr lang="ko-KR" altLang="en-US" dirty="0">
+                            <a:solidFill>
+                              <a:srgbClr val="242424"/>
+                            </a:solidFill>
+                            <a:latin typeface="source-serif-pro"/>
+                          </a:rPr>
+                          <m:t>𝛿</m:t>
+                        </m:r>
+                      </m:e>
+                      <m:sub>
+                        <m:r>
+                          <a:rPr lang="en-US" altLang="ko-KR" b="0" i="1" smtClean="0">
+                            <a:latin typeface="Cambria Math" panose="02040503050406030204" pitchFamily="18" charset="0"/>
+                          </a:rPr>
+                          <m:t>𝑚𝑎𝑥</m:t>
+                        </m:r>
+                      </m:sub>
+                    </m:sSub>
+                    <m:r>
+                      <a:rPr lang="en-US" altLang="ko-KR" i="1">
+                        <a:latin typeface="Cambria Math" panose="02040503050406030204" pitchFamily="18" charset="0"/>
+                      </a:rPr>
+                      <m:t> </m:t>
+                    </m:r>
+                  </m:oMath>
+                </a14:m>
+                <a:r>
+                  <a:rPr lang="ko-KR" altLang="en-US" b="0" i="0" dirty="0">
+                    <a:solidFill>
+                      <a:srgbClr val="374151"/>
+                    </a:solidFill>
+                    <a:effectLst/>
+                    <a:latin typeface="Söhne"/>
+                  </a:rPr>
+                  <a:t>사이에 있어야 합니다</a:t>
+                </a:r>
+                <a:r>
+                  <a:rPr lang="en-US" altLang="ko-KR" b="0" i="0" dirty="0">
+                    <a:solidFill>
+                      <a:srgbClr val="374151"/>
+                    </a:solidFill>
+                    <a:effectLst/>
+                    <a:latin typeface="Söhne"/>
+                  </a:rPr>
+                  <a:t>. </a:t>
+                </a:r>
+                <a:r>
+                  <a:rPr lang="ko-KR" altLang="en-US" b="0" i="0" dirty="0">
+                    <a:solidFill>
+                      <a:srgbClr val="374151"/>
+                    </a:solidFill>
+                    <a:effectLst/>
+                    <a:latin typeface="Söhne"/>
+                  </a:rPr>
+                  <a:t>즉</a:t>
+                </a:r>
+                <a:r>
+                  <a:rPr lang="en-US" altLang="ko-KR" b="0" i="0" dirty="0">
+                    <a:solidFill>
+                      <a:srgbClr val="374151"/>
+                    </a:solidFill>
+                    <a:effectLst/>
+                    <a:latin typeface="Söhne"/>
+                  </a:rPr>
+                  <a:t>, </a:t>
+                </a:r>
+                <a:r>
+                  <a:rPr lang="en-US" altLang="ko-KR" b="0" i="1" dirty="0">
+                    <a:solidFill>
+                      <a:srgbClr val="374151"/>
+                    </a:solidFill>
+                    <a:effectLst/>
+                    <a:latin typeface="KaTeX_Math"/>
+                  </a:rPr>
+                  <a:t>δ</a:t>
+                </a:r>
+                <a:r>
+                  <a:rPr lang="en-US" altLang="ko-KR" b="0" i="0" dirty="0">
+                    <a:solidFill>
+                      <a:srgbClr val="374151"/>
+                    </a:solidFill>
+                    <a:effectLst/>
+                    <a:latin typeface="KaTeX_Main"/>
+                  </a:rPr>
+                  <a:t>(</a:t>
+                </a:r>
+                <a:r>
+                  <a:rPr lang="en-US" altLang="ko-KR" b="0" i="1" dirty="0">
+                    <a:solidFill>
+                      <a:srgbClr val="374151"/>
+                    </a:solidFill>
+                    <a:effectLst/>
+                    <a:latin typeface="KaTeX_Math"/>
+                  </a:rPr>
+                  <a:t>t</a:t>
+                </a:r>
+                <a:r>
+                  <a:rPr lang="en-US" altLang="ko-KR" b="0" i="0" dirty="0">
+                    <a:solidFill>
+                      <a:srgbClr val="374151"/>
+                    </a:solidFill>
+                    <a:effectLst/>
+                    <a:latin typeface="KaTeX_Main"/>
+                  </a:rPr>
+                  <a:t>)</a:t>
+                </a:r>
+                <a:r>
+                  <a:rPr lang="ko-KR" altLang="en-US" b="0" i="0" dirty="0">
+                    <a:solidFill>
+                      <a:srgbClr val="374151"/>
+                    </a:solidFill>
+                    <a:effectLst/>
+                    <a:latin typeface="Söhne"/>
+                  </a:rPr>
+                  <a:t>는 이 범위 내에 있어야 합니다</a:t>
+                </a:r>
+                <a:r>
+                  <a:rPr lang="en-US" altLang="ko-KR" b="0" i="0" dirty="0">
+                    <a:solidFill>
+                      <a:srgbClr val="374151"/>
+                    </a:solidFill>
+                    <a:effectLst/>
+                    <a:latin typeface="Söhne"/>
+                  </a:rPr>
+                  <a:t>.</a:t>
+                </a:r>
+                <a:endParaRPr lang="ko-KR" altLang="en-US" dirty="0"/>
+              </a:p>
+            </p:txBody>
+          </p:sp>
+        </mc:Choice>
+        <mc:Fallback>
+          <p:sp>
+            <p:nvSpPr>
+              <p:cNvPr id="7" name="TextBox 6">
+                <a:extLst>
+                  <a:ext uri="{FF2B5EF4-FFF2-40B4-BE49-F238E27FC236}">
+                    <a16:creationId xmlns:a16="http://schemas.microsoft.com/office/drawing/2014/main" id="{CE9EDC2E-EDD1-CF0A-277B-7D83A6649D13}"/>
+                  </a:ext>
+                </a:extLst>
+              </p:cNvPr>
+              <p:cNvSpPr txBox="1">
+                <a:spLocks noRot="1" noChangeAspect="1" noMove="1" noResize="1" noEditPoints="1" noAdjustHandles="1" noChangeArrowheads="1" noChangeShapeType="1" noTextEdit="1"/>
+              </p:cNvSpPr>
+              <p:nvPr/>
+            </p:nvSpPr>
+            <p:spPr>
+              <a:xfrm>
+                <a:off x="666044" y="3551956"/>
+                <a:ext cx="10148711" cy="2777683"/>
+              </a:xfrm>
+              <a:prstGeom prst="rect">
+                <a:avLst/>
+              </a:prstGeom>
+              <a:blipFill>
+                <a:blip r:embed="rId3"/>
+                <a:stretch>
+                  <a:fillRect l="-480" t="-1758" b="-2857"/>
+                </a:stretch>
+              </a:blipFill>
+            </p:spPr>
+            <p:txBody>
+              <a:bodyPr/>
+              <a:lstStyle/>
+              <a:p>
+                <a:r>
+                  <a:rPr lang="ko-KR" altLang="en-US">
+                    <a:noFill/>
+                  </a:rPr>
+                  <a:t> </a:t>
+                </a:r>
+              </a:p>
+            </p:txBody>
+          </p:sp>
+        </mc:Fallback>
+      </mc:AlternateContent>
+    </p:spTree>
+    <p:extLst>
+      <p:ext uri="{BB962C8B-B14F-4D97-AF65-F5344CB8AC3E}">
+        <p14:creationId xmlns:p14="http://schemas.microsoft.com/office/powerpoint/2010/main" val="3737790563"/>
       </p:ext>
     </p:extLst>
   </p:cSld>
